--- a/Projektunterlagen/999_Zwischenpräsentationen/999_Zwischenpräsentation/999_Zwischenpräsentation/1. Zwischenpräsentation/Zwischenpräsentation Melodia am 12.11.2025.pptx
+++ b/Projektunterlagen/999_Zwischenpräsentationen/999_Zwischenpräsentation/999_Zwischenpräsentation/1. Zwischenpräsentation/Zwischenpräsentation Melodia am 12.11.2025.pptx
@@ -12972,7 +12972,7 @@
       </p:sp>
       <p:pic>
         <p:nvPicPr>
-          <p:cNvPr id="5" name="Bildplatzhalter 14" descr="Berge kurz vor der Abenddämmerung">
+          <p:cNvPr id="5" name="Bildplatzhalter 14">
             <a:extLst>
               <a:ext uri="{FF2B5EF4-FFF2-40B4-BE49-F238E27FC236}">
                 <a16:creationId xmlns:a16="http://schemas.microsoft.com/office/drawing/2014/main" id="{DE72DC91-8DC9-B68C-C1D3-8F5273481A74}"/>
@@ -12986,9 +12986,9 @@
             <p:ph type="pic" sz="quarter" idx="14"/>
           </p:nvPr>
         </p:nvPicPr>
-        <p:blipFill rotWithShape="1">
+        <p:blipFill>
           <a:blip r:embed="rId3"/>
-          <a:srcRect l="13191" r="13191"/>
+          <a:srcRect l="13077" r="13077"/>
           <a:stretch/>
         </p:blipFill>
         <p:spPr>
@@ -12998,73 +12998,6 @@
           </a:xfrm>
         </p:spPr>
       </p:pic>
-      <p:sp>
-        <p:nvSpPr>
-          <p:cNvPr id="3" name="Textplatzhalter 2">
-            <a:extLst>
-              <a:ext uri="{FF2B5EF4-FFF2-40B4-BE49-F238E27FC236}">
-                <a16:creationId xmlns:a16="http://schemas.microsoft.com/office/drawing/2014/main" id="{FD70D88C-5989-4007-4953-F54A4A34B778}"/>
-              </a:ext>
-            </a:extLst>
-          </p:cNvPr>
-          <p:cNvSpPr>
-            <a:spLocks noGrp="1"/>
-          </p:cNvSpPr>
-          <p:nvPr>
-            <p:ph type="body" sz="quarter" idx="13"/>
-          </p:nvPr>
-        </p:nvSpPr>
-        <p:spPr>
-          <a:xfrm>
-            <a:off x="5640609" y="3127248"/>
-            <a:ext cx="6117381" cy="3017520"/>
-          </a:xfrm>
-        </p:spPr>
-        <p:txBody>
-          <a:bodyPr rtlCol="0"/>
-          <a:lstStyle>
-            <a:defPPr>
-              <a:defRPr lang="de-DE"/>
-            </a:defPPr>
-          </a:lstStyle>
-          <a:p>
-            <a:pPr rtl="0"/>
-            <a:r>
-              <a:rPr lang="de-DE" dirty="0"/>
-              <a:t>Brita Tamm</a:t>
-            </a:r>
-          </a:p>
-          <a:p>
-            <a:pPr rtl="0"/>
-            <a:r>
-              <a:rPr lang="de-DE" dirty="0"/>
-              <a:t>502-555-0152</a:t>
-            </a:r>
-          </a:p>
-          <a:p>
-            <a:pPr rtl="0"/>
-            <a:r>
-              <a:rPr lang="de-DE" dirty="0"/>
-              <a:t>brita@firstupconsultants.com</a:t>
-            </a:r>
-          </a:p>
-          <a:p>
-            <a:pPr rtl="0"/>
-            <a:r>
-              <a:rPr lang="de-DE" dirty="0"/>
-              <a:t>www.firstupconsultants.com</a:t>
-            </a:r>
-          </a:p>
-          <a:p>
-            <a:pPr rtl="0"/>
-            <a:endParaRPr lang="de-DE" dirty="0"/>
-          </a:p>
-          <a:p>
-            <a:pPr rtl="0"/>
-            <a:endParaRPr lang="de-DE" dirty="0"/>
-          </a:p>
-        </p:txBody>
-      </p:sp>
     </p:spTree>
     <p:extLst>
       <p:ext uri="{BB962C8B-B14F-4D97-AF65-F5344CB8AC3E}">
@@ -15020,6 +14953,35 @@
 </file>
 
 <file path=customXml/item1.xml><?xml version="1.0" encoding="utf-8"?>
+<?mso-contentType ?>
+<FormTemplates xmlns="http://schemas.microsoft.com/sharepoint/v3/contenttype/forms">
+  <Display>DocumentLibraryForm</Display>
+  <Edit>DocumentLibraryForm</Edit>
+  <New>DocumentLibraryForm</New>
+</FormTemplates>
+</file>
+
+<file path=customXml/item2.xml><?xml version="1.0" encoding="utf-8"?>
+<p:properties xmlns:p="http://schemas.microsoft.com/office/2006/metadata/properties" xmlns:xsi="http://www.w3.org/2001/XMLSchema-instance" xmlns:pc="http://schemas.microsoft.com/office/infopath/2007/PartnerControls">
+  <documentManagement>
+    <_ip_UnifiedCompliancePolicyUIAction xmlns="http://schemas.microsoft.com/sharepoint/v3" xsi:nil="true"/>
+    <Image xmlns="71af3243-3dd4-4a8d-8c0d-dd76da1f02a5">
+      <Url xsi:nil="true"/>
+      <Description xsi:nil="true"/>
+    </Image>
+    <Status xmlns="71af3243-3dd4-4a8d-8c0d-dd76da1f02a5">Not started</Status>
+    <Background xmlns="71af3243-3dd4-4a8d-8c0d-dd76da1f02a5">false</Background>
+    <_ip_UnifiedCompliancePolicyProperties xmlns="http://schemas.microsoft.com/sharepoint/v3" xsi:nil="true"/>
+    <ImageTagsTaxHTField xmlns="71af3243-3dd4-4a8d-8c0d-dd76da1f02a5">
+      <Terms xmlns="http://schemas.microsoft.com/office/infopath/2007/PartnerControls"/>
+    </ImageTagsTaxHTField>
+    <TaxCatchAll xmlns="230e9df3-be65-4c73-a93b-d1236ebd677e" xsi:nil="true"/>
+    <MediaServiceKeyPoints xmlns="71af3243-3dd4-4a8d-8c0d-dd76da1f02a5" xsi:nil="true"/>
+  </documentManagement>
+</p:properties>
+</file>
+
+<file path=customXml/item3.xml><?xml version="1.0" encoding="utf-8"?>
 <ct:contentTypeSchema xmlns:ct="http://schemas.microsoft.com/office/2006/metadata/contentType" xmlns:ma="http://schemas.microsoft.com/office/2006/metadata/properties/metaAttributes" ct:_="" ma:_="" ma:contentTypeName="Document" ma:contentTypeID="0x01010079F111ED35F8CC479449609E8A0923A6" ma:contentTypeVersion="28" ma:contentTypeDescription="Create a new document." ma:contentTypeScope="" ma:versionID="60f5a4f2d2b0abadcf532d48ebf9cb71">
   <xsd:schema xmlns:xsd="http://www.w3.org/2001/XMLSchema" xmlns:xs="http://www.w3.org/2001/XMLSchema" xmlns:p="http://schemas.microsoft.com/office/2006/metadata/properties" xmlns:ns1="http://schemas.microsoft.com/sharepoint/v3" xmlns:ns2="71af3243-3dd4-4a8d-8c0d-dd76da1f02a5" xmlns:ns3="16c05727-aa75-4e4a-9b5f-8a80a1165891" xmlns:ns4="230e9df3-be65-4c73-a93b-d1236ebd677e" targetNamespace="http://schemas.microsoft.com/office/2006/metadata/properties" ma:root="true" ma:fieldsID="7dd78129e6a1811f84807ad11c651531" ns1:_="" ns2:_="" ns3:_="" ns4:_="">
     <xsd:import namespace="http://schemas.microsoft.com/sharepoint/v3"/>
@@ -15331,36 +15293,27 @@
 </ct:contentTypeSchema>
 </file>
 
-<file path=customXml/item2.xml><?xml version="1.0" encoding="utf-8"?>
-<p:properties xmlns:p="http://schemas.microsoft.com/office/2006/metadata/properties" xmlns:xsi="http://www.w3.org/2001/XMLSchema-instance" xmlns:pc="http://schemas.microsoft.com/office/infopath/2007/PartnerControls">
-  <documentManagement>
-    <_ip_UnifiedCompliancePolicyUIAction xmlns="http://schemas.microsoft.com/sharepoint/v3" xsi:nil="true"/>
-    <Image xmlns="71af3243-3dd4-4a8d-8c0d-dd76da1f02a5">
-      <Url xsi:nil="true"/>
-      <Description xsi:nil="true"/>
-    </Image>
-    <Status xmlns="71af3243-3dd4-4a8d-8c0d-dd76da1f02a5">Not started</Status>
-    <Background xmlns="71af3243-3dd4-4a8d-8c0d-dd76da1f02a5">false</Background>
-    <_ip_UnifiedCompliancePolicyProperties xmlns="http://schemas.microsoft.com/sharepoint/v3" xsi:nil="true"/>
-    <ImageTagsTaxHTField xmlns="71af3243-3dd4-4a8d-8c0d-dd76da1f02a5">
-      <Terms xmlns="http://schemas.microsoft.com/office/infopath/2007/PartnerControls"/>
-    </ImageTagsTaxHTField>
-    <TaxCatchAll xmlns="230e9df3-be65-4c73-a93b-d1236ebd677e" xsi:nil="true"/>
-    <MediaServiceKeyPoints xmlns="71af3243-3dd4-4a8d-8c0d-dd76da1f02a5" xsi:nil="true"/>
-  </documentManagement>
-</p:properties>
+<file path=customXml/itemProps1.xml><?xml version="1.0" encoding="utf-8"?>
+<ds:datastoreItem xmlns:ds="http://schemas.openxmlformats.org/officeDocument/2006/customXml" ds:itemID="{FABD9919-8F5A-4B99-83E1-E90FE1DCF2E1}">
+  <ds:schemaRefs>
+    <ds:schemaRef ds:uri="http://schemas.microsoft.com/sharepoint/v3/contenttype/forms"/>
+  </ds:schemaRefs>
+</ds:datastoreItem>
 </file>
 
-<file path=customXml/item3.xml><?xml version="1.0" encoding="utf-8"?>
-<?mso-contentType ?>
-<FormTemplates xmlns="http://schemas.microsoft.com/sharepoint/v3/contenttype/forms">
-  <Display>DocumentLibraryForm</Display>
-  <Edit>DocumentLibraryForm</Edit>
-  <New>DocumentLibraryForm</New>
-</FormTemplates>
+<file path=customXml/itemProps2.xml><?xml version="1.0" encoding="utf-8"?>
+<ds:datastoreItem xmlns:ds="http://schemas.openxmlformats.org/officeDocument/2006/customXml" ds:itemID="{80E87F72-70BF-43BC-A0D4-53665DC12672}">
+  <ds:schemaRefs>
+    <ds:schemaRef ds:uri="http://schemas.microsoft.com/office/2006/metadata/properties"/>
+    <ds:schemaRef ds:uri="http://schemas.microsoft.com/office/infopath/2007/PartnerControls"/>
+    <ds:schemaRef ds:uri="http://schemas.microsoft.com/sharepoint/v3"/>
+    <ds:schemaRef ds:uri="71af3243-3dd4-4a8d-8c0d-dd76da1f02a5"/>
+    <ds:schemaRef ds:uri="230e9df3-be65-4c73-a93b-d1236ebd677e"/>
+  </ds:schemaRefs>
+</ds:datastoreItem>
 </file>
 
-<file path=customXml/itemProps1.xml><?xml version="1.0" encoding="utf-8"?>
+<file path=customXml/itemProps3.xml><?xml version="1.0" encoding="utf-8"?>
 <ds:datastoreItem xmlns:ds="http://schemas.openxmlformats.org/officeDocument/2006/customXml" ds:itemID="{52D646E0-DCC8-4209-B539-AA58186B682C}">
   <ds:schemaRefs>
     <ds:schemaRef ds:uri="http://schemas.microsoft.com/office/2006/metadata/contentType"/>
@@ -15381,26 +15334,6 @@
 </ds:datastoreItem>
 </file>
 
-<file path=customXml/itemProps2.xml><?xml version="1.0" encoding="utf-8"?>
-<ds:datastoreItem xmlns:ds="http://schemas.openxmlformats.org/officeDocument/2006/customXml" ds:itemID="{80E87F72-70BF-43BC-A0D4-53665DC12672}">
-  <ds:schemaRefs>
-    <ds:schemaRef ds:uri="http://schemas.microsoft.com/office/2006/metadata/properties"/>
-    <ds:schemaRef ds:uri="http://schemas.microsoft.com/office/infopath/2007/PartnerControls"/>
-    <ds:schemaRef ds:uri="http://schemas.microsoft.com/sharepoint/v3"/>
-    <ds:schemaRef ds:uri="71af3243-3dd4-4a8d-8c0d-dd76da1f02a5"/>
-    <ds:schemaRef ds:uri="230e9df3-be65-4c73-a93b-d1236ebd677e"/>
-  </ds:schemaRefs>
-</ds:datastoreItem>
-</file>
-
-<file path=customXml/itemProps3.xml><?xml version="1.0" encoding="utf-8"?>
-<ds:datastoreItem xmlns:ds="http://schemas.openxmlformats.org/officeDocument/2006/customXml" ds:itemID="{FABD9919-8F5A-4B99-83E1-E90FE1DCF2E1}">
-  <ds:schemaRefs>
-    <ds:schemaRef ds:uri="http://schemas.microsoft.com/sharepoint/v3/contenttype/forms"/>
-  </ds:schemaRefs>
-</ds:datastoreItem>
-</file>
-
 <file path=docMetadata/LabelInfo.xml><?xml version="1.0" encoding="utf-8"?>
 <clbl:labelList xmlns:clbl="http://schemas.microsoft.com/office/2020/mipLabelMetadata"/>
 </file>
--- a/Projektunterlagen/999_Zwischenpräsentationen/999_Zwischenpräsentation/999_Zwischenpräsentation/1. Zwischenpräsentation/Zwischenpräsentation Melodia am 12.11.2025.pptx
+++ b/Projektunterlagen/999_Zwischenpräsentationen/999_Zwischenpräsentation/999_Zwischenpräsentation/1. Zwischenpräsentation/Zwischenpräsentation Melodia am 12.11.2025.pptx
@@ -5,10 +5,10 @@
     <p:sldMasterId id="2147483696" r:id="rId4"/>
   </p:sldMasterIdLst>
   <p:notesMasterIdLst>
-    <p:notesMasterId r:id="rId20"/>
+    <p:notesMasterId r:id="rId19"/>
   </p:notesMasterIdLst>
   <p:handoutMasterIdLst>
-    <p:handoutMasterId r:id="rId21"/>
+    <p:handoutMasterId r:id="rId20"/>
   </p:handoutMasterIdLst>
   <p:sldIdLst>
     <p:sldId id="334" r:id="rId5"/>
@@ -23,9 +23,8 @@
     <p:sldId id="351" r:id="rId14"/>
     <p:sldId id="356" r:id="rId15"/>
     <p:sldId id="352" r:id="rId16"/>
-    <p:sldId id="353" r:id="rId17"/>
-    <p:sldId id="336" r:id="rId18"/>
-    <p:sldId id="349" r:id="rId19"/>
+    <p:sldId id="336" r:id="rId17"/>
+    <p:sldId id="349" r:id="rId18"/>
   </p:sldIdLst>
   <p:sldSz cx="12192000" cy="6858000"/>
   <p:notesSz cx="6858000" cy="9144000"/>
@@ -740,6 +739,13 @@
           </p:nvPr>
         </p:nvSpPr>
         <p:spPr/>
+        <p:txBody>
+          <a:bodyPr/>
+          <a:lstStyle/>
+          <a:p>
+            <a:endParaRPr lang="de-AT"/>
+          </a:p>
+        </p:txBody>
       </p:sp>
       <p:sp>
         <p:nvSpPr>
@@ -846,6 +852,13 @@
           </p:nvPr>
         </p:nvSpPr>
         <p:spPr/>
+        <p:txBody>
+          <a:bodyPr/>
+          <a:lstStyle/>
+          <a:p>
+            <a:endParaRPr lang="de-AT"/>
+          </a:p>
+        </p:txBody>
       </p:sp>
       <p:sp>
         <p:nvSpPr>
@@ -952,6 +965,13 @@
           </p:nvPr>
         </p:nvSpPr>
         <p:spPr/>
+        <p:txBody>
+          <a:bodyPr/>
+          <a:lstStyle/>
+          <a:p>
+            <a:endParaRPr lang="de-AT"/>
+          </a:p>
+        </p:txBody>
       </p:sp>
       <p:sp>
         <p:nvSpPr>
@@ -999,7 +1019,7 @@
             <a:pPr rtl="0"/>
             <a:fld id="{D5939589-3E79-4C82-AA4A-FE78234FAA59}" type="slidenum">
               <a:rPr lang="de-DE" smtClean="0"/>
-              <a:t>14</a:t>
+              <a:t>13</a:t>
             </a:fld>
             <a:endParaRPr lang="de-DE" dirty="0"/>
           </a:p>
@@ -1046,6 +1066,13 @@
           </p:nvPr>
         </p:nvSpPr>
         <p:spPr/>
+        <p:txBody>
+          <a:bodyPr/>
+          <a:lstStyle/>
+          <a:p>
+            <a:endParaRPr lang="de-AT"/>
+          </a:p>
+        </p:txBody>
       </p:sp>
       <p:sp>
         <p:nvSpPr>
@@ -1093,7 +1120,7 @@
             <a:pPr rtl="0"/>
             <a:fld id="{D5939589-3E79-4C82-AA4A-FE78234FAA59}" type="slidenum">
               <a:rPr lang="de-DE" smtClean="0"/>
-              <a:t>15</a:t>
+              <a:t>14</a:t>
             </a:fld>
             <a:endParaRPr lang="de-DE" dirty="0"/>
           </a:p>
@@ -1140,6 +1167,13 @@
           </p:nvPr>
         </p:nvSpPr>
         <p:spPr/>
+        <p:txBody>
+          <a:bodyPr/>
+          <a:lstStyle/>
+          <a:p>
+            <a:endParaRPr lang="de-AT"/>
+          </a:p>
+        </p:txBody>
       </p:sp>
       <p:sp>
         <p:nvSpPr>
@@ -1234,6 +1268,13 @@
           </p:nvPr>
         </p:nvSpPr>
         <p:spPr/>
+        <p:txBody>
+          <a:bodyPr/>
+          <a:lstStyle/>
+          <a:p>
+            <a:endParaRPr lang="de-AT"/>
+          </a:p>
+        </p:txBody>
       </p:sp>
       <p:sp>
         <p:nvSpPr>
@@ -1328,6 +1369,13 @@
           </p:nvPr>
         </p:nvSpPr>
         <p:spPr/>
+        <p:txBody>
+          <a:bodyPr/>
+          <a:lstStyle/>
+          <a:p>
+            <a:endParaRPr lang="de-AT"/>
+          </a:p>
+        </p:txBody>
       </p:sp>
       <p:sp>
         <p:nvSpPr>
@@ -1434,6 +1482,13 @@
           </p:nvPr>
         </p:nvSpPr>
         <p:spPr/>
+        <p:txBody>
+          <a:bodyPr/>
+          <a:lstStyle/>
+          <a:p>
+            <a:endParaRPr lang="de-AT"/>
+          </a:p>
+        </p:txBody>
       </p:sp>
       <p:sp>
         <p:nvSpPr>
@@ -1552,6 +1607,13 @@
           </p:nvPr>
         </p:nvSpPr>
         <p:spPr/>
+        <p:txBody>
+          <a:bodyPr/>
+          <a:lstStyle/>
+          <a:p>
+            <a:endParaRPr lang="de-AT"/>
+          </a:p>
+        </p:txBody>
       </p:sp>
       <p:sp>
         <p:nvSpPr>
@@ -1670,6 +1732,13 @@
           </p:nvPr>
         </p:nvSpPr>
         <p:spPr/>
+        <p:txBody>
+          <a:bodyPr/>
+          <a:lstStyle/>
+          <a:p>
+            <a:endParaRPr lang="de-AT"/>
+          </a:p>
+        </p:txBody>
       </p:sp>
       <p:sp>
         <p:nvSpPr>
@@ -1788,6 +1857,13 @@
           </p:nvPr>
         </p:nvSpPr>
         <p:spPr/>
+        <p:txBody>
+          <a:bodyPr/>
+          <a:lstStyle/>
+          <a:p>
+            <a:endParaRPr lang="de-AT"/>
+          </a:p>
+        </p:txBody>
       </p:sp>
       <p:sp>
         <p:nvSpPr>
@@ -1906,6 +1982,13 @@
           </p:nvPr>
         </p:nvSpPr>
         <p:spPr/>
+        <p:txBody>
+          <a:bodyPr/>
+          <a:lstStyle/>
+          <a:p>
+            <a:endParaRPr lang="de-AT"/>
+          </a:p>
+        </p:txBody>
       </p:sp>
       <p:sp>
         <p:nvSpPr>
@@ -12204,162 +12287,34 @@
           <a:p>
             <a:pPr rtl="0"/>
             <a:r>
-              <a:rPr lang="de-DE" dirty="0" err="1">
-                <a:gradFill flip="none" rotWithShape="1">
-                  <a:gsLst>
-                    <a:gs pos="49500">
-                      <a:srgbClr val="00B0F0"/>
-                    </a:gs>
-                    <a:gs pos="0">
-                      <a:srgbClr val="B20CC4"/>
-                    </a:gs>
-                    <a:gs pos="100000">
-                      <a:srgbClr val="92D050"/>
-                    </a:gs>
-                  </a:gsLst>
-                  <a:lin ang="0" scaled="1"/>
-                  <a:tileRect/>
-                </a:gradFill>
-              </a:rPr>
+              <a:rPr lang="de-DE" dirty="0" err="1"/>
               <a:t>Melodia</a:t>
             </a:r>
             <a:br>
-              <a:rPr lang="de-DE" dirty="0">
-                <a:gradFill flip="none" rotWithShape="1">
-                  <a:gsLst>
-                    <a:gs pos="49500">
-                      <a:srgbClr val="00B0F0"/>
-                    </a:gs>
-                    <a:gs pos="0">
-                      <a:srgbClr val="B20CC4"/>
-                    </a:gs>
-                    <a:gs pos="100000">
-                      <a:srgbClr val="92D050"/>
-                    </a:gs>
-                  </a:gsLst>
-                  <a:lin ang="0" scaled="1"/>
-                  <a:tileRect/>
-                </a:gradFill>
-              </a:rPr>
+              <a:rPr lang="de-DE" dirty="0"/>
             </a:br>
             <a:r>
-              <a:rPr lang="de-DE" dirty="0" err="1">
-                <a:gradFill flip="none" rotWithShape="1">
-                  <a:gsLst>
-                    <a:gs pos="49500">
-                      <a:srgbClr val="00B0F0"/>
-                    </a:gs>
-                    <a:gs pos="0">
-                      <a:srgbClr val="B20CC4"/>
-                    </a:gs>
-                    <a:gs pos="100000">
-                      <a:srgbClr val="92D050"/>
-                    </a:gs>
-                  </a:gsLst>
-                  <a:lin ang="0" scaled="1"/>
-                  <a:tileRect/>
-                </a:gradFill>
-              </a:rPr>
+              <a:rPr lang="de-DE" dirty="0" err="1"/>
               <a:t>Feel</a:t>
             </a:r>
             <a:r>
-              <a:rPr lang="de-DE" dirty="0">
-                <a:gradFill flip="none" rotWithShape="1">
-                  <a:gsLst>
-                    <a:gs pos="49500">
-                      <a:srgbClr val="00B0F0"/>
-                    </a:gs>
-                    <a:gs pos="0">
-                      <a:srgbClr val="B20CC4"/>
-                    </a:gs>
-                    <a:gs pos="100000">
-                      <a:srgbClr val="92D050"/>
-                    </a:gs>
-                  </a:gsLst>
-                  <a:lin ang="0" scaled="1"/>
-                  <a:tileRect/>
-                </a:gradFill>
-              </a:rPr>
+              <a:rPr lang="de-DE" dirty="0"/>
               <a:t> </a:t>
             </a:r>
             <a:r>
-              <a:rPr lang="de-DE" dirty="0" err="1">
-                <a:gradFill flip="none" rotWithShape="1">
-                  <a:gsLst>
-                    <a:gs pos="49500">
-                      <a:srgbClr val="00B0F0"/>
-                    </a:gs>
-                    <a:gs pos="0">
-                      <a:srgbClr val="B20CC4"/>
-                    </a:gs>
-                    <a:gs pos="100000">
-                      <a:srgbClr val="92D050"/>
-                    </a:gs>
-                  </a:gsLst>
-                  <a:lin ang="0" scaled="1"/>
-                  <a:tileRect/>
-                </a:gradFill>
-              </a:rPr>
+              <a:rPr lang="de-DE" dirty="0" err="1"/>
               <a:t>the</a:t>
             </a:r>
             <a:r>
-              <a:rPr lang="de-DE" dirty="0">
-                <a:gradFill flip="none" rotWithShape="1">
-                  <a:gsLst>
-                    <a:gs pos="49500">
-                      <a:srgbClr val="00B0F0"/>
-                    </a:gs>
-                    <a:gs pos="0">
-                      <a:srgbClr val="B20CC4"/>
-                    </a:gs>
-                    <a:gs pos="100000">
-                      <a:srgbClr val="92D050"/>
-                    </a:gs>
-                  </a:gsLst>
-                  <a:lin ang="0" scaled="1"/>
-                  <a:tileRect/>
-                </a:gradFill>
-              </a:rPr>
+              <a:rPr lang="de-DE" dirty="0"/>
               <a:t> </a:t>
             </a:r>
             <a:r>
-              <a:rPr lang="de-DE" dirty="0" err="1">
-                <a:gradFill flip="none" rotWithShape="1">
-                  <a:gsLst>
-                    <a:gs pos="49500">
-                      <a:srgbClr val="00B0F0"/>
-                    </a:gs>
-                    <a:gs pos="0">
-                      <a:srgbClr val="B20CC4"/>
-                    </a:gs>
-                    <a:gs pos="100000">
-                      <a:srgbClr val="92D050"/>
-                    </a:gs>
-                  </a:gsLst>
-                  <a:lin ang="0" scaled="1"/>
-                  <a:tileRect/>
-                </a:gradFill>
-              </a:rPr>
+              <a:rPr lang="de-DE" dirty="0" err="1"/>
               <a:t>Rythm</a:t>
             </a:r>
             <a:r>
-              <a:rPr lang="de-DE" dirty="0">
-                <a:gradFill flip="none" rotWithShape="1">
-                  <a:gsLst>
-                    <a:gs pos="49500">
-                      <a:srgbClr val="00B0F0"/>
-                    </a:gs>
-                    <a:gs pos="0">
-                      <a:srgbClr val="B20CC4"/>
-                    </a:gs>
-                    <a:gs pos="100000">
-                      <a:srgbClr val="92D050"/>
-                    </a:gs>
-                  </a:gsLst>
-                  <a:lin ang="0" scaled="1"/>
-                  <a:tileRect/>
-                </a:gradFill>
-              </a:rPr>
+              <a:rPr lang="de-DE" dirty="0"/>
               <a:t>. </a:t>
             </a:r>
           </a:p>
@@ -12612,7 +12567,18 @@
               <a:buFontTx/>
               <a:buChar char="-"/>
             </a:pPr>
-            <a:endParaRPr lang="de-DE" dirty="0"/>
+            <a:r>
+              <a:rPr lang="de-DE" dirty="0"/>
+              <a:t>Christian hat </a:t>
+            </a:r>
+            <a:r>
+              <a:rPr lang="de-DE" b="1" dirty="0"/>
+              <a:t>kein</a:t>
+            </a:r>
+            <a:r>
+              <a:rPr lang="de-DE" dirty="0"/>
+              <a:t> Geschmack</a:t>
+            </a:r>
           </a:p>
           <a:p>
             <a:pPr marL="285750" indent="-285750">
@@ -12761,102 +12727,6 @@
   <p:cSld>
     <p:spTree>
       <p:nvGrpSpPr>
-        <p:cNvPr id="1" name="">
-          <a:extLst>
-            <a:ext uri="{FF2B5EF4-FFF2-40B4-BE49-F238E27FC236}">
-              <a16:creationId xmlns:a16="http://schemas.microsoft.com/office/drawing/2014/main" id="{22F093DA-9717-9190-25F4-BDC2A3380DF1}"/>
-            </a:ext>
-          </a:extLst>
-        </p:cNvPr>
-        <p:cNvGrpSpPr/>
-        <p:nvPr/>
-      </p:nvGrpSpPr>
-      <p:grpSpPr>
-        <a:xfrm>
-          <a:off x="0" y="0"/>
-          <a:ext cx="0" cy="0"/>
-          <a:chOff x="0" y="0"/>
-          <a:chExt cx="0" cy="0"/>
-        </a:xfrm>
-      </p:grpSpPr>
-      <p:pic>
-        <p:nvPicPr>
-          <p:cNvPr id="3" name="Grafik 2">
-            <a:extLst>
-              <a:ext uri="{FF2B5EF4-FFF2-40B4-BE49-F238E27FC236}">
-                <a16:creationId xmlns:a16="http://schemas.microsoft.com/office/drawing/2014/main" id="{88BAC8DB-442C-0288-3F05-98EE60A9607A}"/>
-              </a:ext>
-            </a:extLst>
-          </p:cNvPr>
-          <p:cNvPicPr>
-            <a:picLocks noChangeAspect="1"/>
-          </p:cNvPicPr>
-          <p:nvPr/>
-        </p:nvPicPr>
-        <p:blipFill>
-          <a:blip r:embed="rId2"/>
-          <a:stretch>
-            <a:fillRect/>
-          </a:stretch>
-        </p:blipFill>
-        <p:spPr>
-          <a:xfrm>
-            <a:off x="829717" y="155275"/>
-            <a:ext cx="9930297" cy="3742154"/>
-          </a:xfrm>
-          <a:prstGeom prst="rect">
-            <a:avLst/>
-          </a:prstGeom>
-        </p:spPr>
-      </p:pic>
-      <p:pic>
-        <p:nvPicPr>
-          <p:cNvPr id="5" name="Grafik 4">
-            <a:extLst>
-              <a:ext uri="{FF2B5EF4-FFF2-40B4-BE49-F238E27FC236}">
-                <a16:creationId xmlns:a16="http://schemas.microsoft.com/office/drawing/2014/main" id="{66436116-41E1-3CB7-0A90-139A1FCA0797}"/>
-              </a:ext>
-            </a:extLst>
-          </p:cNvPr>
-          <p:cNvPicPr>
-            <a:picLocks noChangeAspect="1"/>
-          </p:cNvPicPr>
-          <p:nvPr/>
-        </p:nvPicPr>
-        <p:blipFill>
-          <a:blip r:embed="rId3"/>
-          <a:stretch>
-            <a:fillRect/>
-          </a:stretch>
-        </p:blipFill>
-        <p:spPr>
-          <a:xfrm>
-            <a:off x="2622430" y="3559270"/>
-            <a:ext cx="9310777" cy="2196079"/>
-          </a:xfrm>
-          <a:prstGeom prst="rect">
-            <a:avLst/>
-          </a:prstGeom>
-        </p:spPr>
-      </p:pic>
-    </p:spTree>
-    <p:extLst>
-      <p:ext uri="{BB962C8B-B14F-4D97-AF65-F5344CB8AC3E}">
-        <p14:creationId xmlns:p14="http://schemas.microsoft.com/office/powerpoint/2010/main" val="571711772"/>
-      </p:ext>
-    </p:extLst>
-  </p:cSld>
-  <p:clrMapOvr>
-    <a:masterClrMapping/>
-  </p:clrMapOvr>
-</p:sld>
-</file>
-
-<file path=ppt/slides/slide14.xml><?xml version="1.0" encoding="utf-8"?>
-<p:sld xmlns:a="http://schemas.openxmlformats.org/drawingml/2006/main" xmlns:r="http://schemas.openxmlformats.org/officeDocument/2006/relationships" xmlns:p="http://schemas.openxmlformats.org/presentationml/2006/main">
-  <p:cSld>
-    <p:spTree>
-      <p:nvGrpSpPr>
         <p:cNvPr id="1" name=""/>
         <p:cNvGrpSpPr/>
         <p:nvPr/>
@@ -12915,7 +12785,7 @@
 </p:sld>
 </file>
 
-<file path=ppt/slides/slide15.xml><?xml version="1.0" encoding="utf-8"?>
+<file path=ppt/slides/slide14.xml><?xml version="1.0" encoding="utf-8"?>
 <p:sld xmlns:a="http://schemas.openxmlformats.org/drawingml/2006/main" xmlns:r="http://schemas.openxmlformats.org/officeDocument/2006/relationships" xmlns:p="http://schemas.openxmlformats.org/presentationml/2006/main">
   <p:cSld>
     <p:spTree>
@@ -13114,48 +12984,45 @@
             <a:pPr rtl="0"/>
             <a:r>
               <a:rPr lang="de-DE" dirty="0"/>
-              <a:t>Die Idee</a:t>
+              <a:t>Die Idee - 1</a:t>
             </a:r>
           </a:p>
           <a:p>
             <a:pPr rtl="0"/>
             <a:r>
               <a:rPr lang="de-DE" dirty="0"/>
-              <a:t>Technische Umsetzung</a:t>
+              <a:t>Technische Umsetzung - 2</a:t>
             </a:r>
           </a:p>
           <a:p>
             <a:pPr rtl="0"/>
             <a:r>
               <a:rPr lang="de-DE" dirty="0"/>
-              <a:t>Aktueller Stand</a:t>
+              <a:t>Aktueller Stand - 3</a:t>
             </a:r>
           </a:p>
           <a:p>
-            <a:pPr rtl="0"/>
             <a:r>
               <a:rPr lang="de-DE" dirty="0"/>
-              <a:t>Blick in die Zukunft</a:t>
+              <a:t>Blick in die Zukunft - 4</a:t>
             </a:r>
           </a:p>
           <a:p>
             <a:r>
               <a:rPr lang="de-DE" dirty="0"/>
-              <a:t>Design</a:t>
+              <a:t>Design - 5</a:t>
             </a:r>
           </a:p>
           <a:p>
-            <a:pPr rtl="0"/>
             <a:r>
               <a:rPr lang="de-DE" dirty="0"/>
-              <a:t>Live Demo</a:t>
+              <a:t>Live Demo - 6</a:t>
             </a:r>
           </a:p>
           <a:p>
-            <a:pPr rtl="0"/>
             <a:r>
               <a:rPr lang="de-DE" dirty="0"/>
-              <a:t>Fazit</a:t>
+              <a:t>Fazit - 7</a:t>
             </a:r>
           </a:p>
           <a:p>
@@ -13285,7 +13152,7 @@
             </a:pPr>
             <a:r>
               <a:rPr lang="de-DE" dirty="0"/>
-              <a:t>Nutzer hört kurzen Ausschnitt → muss Titel oder Künstler erraten</a:t>
+              <a:t>Nutzer hört kurzen Ausschnitt → muss Titel erraten</a:t>
             </a:r>
           </a:p>
           <a:p>
@@ -13296,6 +13163,16 @@
             <a:r>
               <a:rPr lang="de-AT" dirty="0"/>
               <a:t>Punkte- und Zeitbasiertes Spielsystem</a:t>
+            </a:r>
+          </a:p>
+          <a:p>
+            <a:pPr marL="285750" indent="-285750">
+              <a:buFontTx/>
+              <a:buChar char="-"/>
+            </a:pPr>
+            <a:r>
+              <a:rPr lang="de-AT" dirty="0"/>
+              <a:t>Mit Leaderboard und hervorgehobenen Highscores</a:t>
             </a:r>
           </a:p>
           <a:p>
@@ -13522,7 +13399,7 @@
             </a:pPr>
             <a:r>
               <a:rPr lang="de-DE" dirty="0"/>
-              <a:t>Programmiersprachen: </a:t>
+              <a:t>Tech-Stack: </a:t>
             </a:r>
           </a:p>
           <a:p>
@@ -13572,7 +13449,7 @@
             </a:pPr>
             <a:r>
               <a:rPr lang="de-DE" dirty="0"/>
-              <a:t>Lösung: eigene .mp3 Dateien eingebunden</a:t>
+              <a:t>Vorübergehende Lösung: lokale .mp3 Dateien eingebunden</a:t>
             </a:r>
           </a:p>
           <a:p>
@@ -13823,15 +13700,7 @@
             </a:pPr>
             <a:r>
               <a:rPr lang="de-DE" dirty="0"/>
-              <a:t>.mp3 </a:t>
-            </a:r>
-            <a:r>
-              <a:rPr lang="de-DE" dirty="0" err="1"/>
-              <a:t>Verison</a:t>
-            </a:r>
-            <a:r>
-              <a:rPr lang="de-DE" dirty="0"/>
-              <a:t> läuft (?)</a:t>
+              <a:t>Spiel mittels lokalen Dateien funktioniert</a:t>
             </a:r>
           </a:p>
           <a:p>
@@ -13851,7 +13720,7 @@
             </a:pPr>
             <a:r>
               <a:rPr lang="de-DE" dirty="0"/>
-              <a:t>Authentifizierung mit Sicherheitsfunktionen</a:t>
+              <a:t>Authentifizierung mit Sicherheitsfeatures</a:t>
             </a:r>
           </a:p>
         </p:txBody>
@@ -14075,7 +13944,7 @@
             </a:pPr>
             <a:r>
               <a:rPr lang="de-DE" dirty="0"/>
-              <a:t>Alternative API einbinden</a:t>
+              <a:t>Alternative API für Musik einbinden</a:t>
             </a:r>
           </a:p>
           <a:p>
@@ -14085,7 +13954,21 @@
             </a:pPr>
             <a:r>
               <a:rPr lang="de-DE" dirty="0"/>
-              <a:t>Optional: Online-Spielmodus (mit Freunden spielen)</a:t>
+              <a:t>Falls keine Musik-API möglich ist: mehr lokale Songs einbinden</a:t>
+            </a:r>
+          </a:p>
+          <a:p>
+            <a:pPr marL="285750" indent="-285750">
+              <a:buFontTx/>
+              <a:buChar char="-"/>
+            </a:pPr>
+            <a:r>
+              <a:rPr lang="de-DE" dirty="0" err="1"/>
+              <a:t>Leaderboard</a:t>
+            </a:r>
+            <a:r>
+              <a:rPr lang="de-DE" dirty="0"/>
+              <a:t> System</a:t>
             </a:r>
           </a:p>
           <a:p>
@@ -14095,7 +13978,7 @@
             </a:pPr>
             <a:r>
               <a:rPr lang="de-DE" dirty="0"/>
-              <a:t>Falls keine API möglich: mehr Songs einbinden</a:t>
+              <a:t>Songs nach Kategorien, Jahrzehnt, etc. gefiltert</a:t>
             </a:r>
           </a:p>
           <a:p>
@@ -14105,7 +13988,7 @@
             </a:pPr>
             <a:r>
               <a:rPr lang="de-DE" dirty="0"/>
-              <a:t>Optional: User können selbst Songs einbinden</a:t>
+              <a:t>Optional: User können selbst Songs hinzufügen</a:t>
             </a:r>
           </a:p>
           <a:p>
@@ -14115,25 +13998,7 @@
             </a:pPr>
             <a:r>
               <a:rPr lang="de-DE" dirty="0"/>
-              <a:t>Highscore System</a:t>
-            </a:r>
-          </a:p>
-          <a:p>
-            <a:pPr marL="285750" indent="-285750">
-              <a:buFontTx/>
-              <a:buChar char="-"/>
-            </a:pPr>
-            <a:r>
-              <a:rPr lang="de-DE" dirty="0"/>
-              <a:t>Songs nach Kategorien, </a:t>
-            </a:r>
-            <a:r>
-              <a:rPr lang="de-DE" dirty="0" err="1"/>
-              <a:t>Jahrzent</a:t>
-            </a:r>
-            <a:r>
-              <a:rPr lang="de-DE" dirty="0"/>
-              <a:t>, etc. gefiltert</a:t>
+              <a:t>Optional: Multiplayer (mit Freunden spielen)</a:t>
             </a:r>
           </a:p>
           <a:p>
@@ -14164,7 +14029,7 @@
 <file path=ppt/theme/theme1.xml><?xml version="1.0" encoding="utf-8"?>
 <a:theme xmlns:a="http://schemas.openxmlformats.org/drawingml/2006/main" name="GradientVTI">
   <a:themeElements>
-    <a:clrScheme name="Gradient">
+    <a:clrScheme name="Benutzerdefiniert 6">
       <a:dk1>
         <a:sysClr val="windowText" lastClr="000000"/>
       </a:dk1>
@@ -14178,22 +14043,22 @@
         <a:srgbClr val="F2F0FF"/>
       </a:lt2>
       <a:accent1>
-        <a:srgbClr val="814DFF"/>
+        <a:srgbClr val="AB73D5"/>
       </a:accent1>
       <a:accent2>
-        <a:srgbClr val="243FFF"/>
+        <a:srgbClr val="5723FB"/>
       </a:accent2>
       <a:accent3>
-        <a:srgbClr val="FF83B6"/>
+        <a:srgbClr val="00B0F0"/>
       </a:accent3>
       <a:accent4>
-        <a:srgbClr val="FF9022"/>
+        <a:srgbClr val="42E0BA"/>
       </a:accent4>
       <a:accent5>
-        <a:srgbClr val="FF1F85"/>
+        <a:srgbClr val="00B050"/>
       </a:accent5>
       <a:accent6>
-        <a:srgbClr val="1A98FF"/>
+        <a:srgbClr val="92D050"/>
       </a:accent6>
       <a:hlink>
         <a:srgbClr val="0563C1"/>
